--- a/Content/Strahl_WebConnectionSecurity.pptx
+++ b/Content/Strahl_WebConnectionSecurity.pptx
@@ -30,8 +30,8 @@
     <p:sldId id="289" r:id="rId18"/>
     <p:sldId id="290" r:id="rId19"/>
     <p:sldId id="260" r:id="rId20"/>
-    <p:sldId id="275" r:id="rId21"/>
-    <p:sldId id="294" r:id="rId22"/>
+    <p:sldId id="294" r:id="rId21"/>
+    <p:sldId id="275" r:id="rId22"/>
     <p:sldId id="262" r:id="rId23"/>
     <p:sldId id="263" r:id="rId24"/>
     <p:sldId id="295" r:id="rId25"/>
@@ -3528,6 +3528,31 @@
 <file path=ppt/slides/slide1.xml><?xml version="1.0" encoding="utf-8"?>
 <p:sld xmlns:a="http://schemas.openxmlformats.org/drawingml/2006/main" xmlns:r="http://schemas.openxmlformats.org/officeDocument/2006/relationships" xmlns:p="http://schemas.openxmlformats.org/presentationml/2006/main">
   <p:cSld>
+    <p:bg>
+      <p:bgPr>
+        <a:blipFill dpi="0" rotWithShape="1">
+          <a:blip r:embed="rId3">
+            <a:lum/>
+            <a:extLst>
+              <a:ext uri="{BEBA8EAE-BF5A-486C-A8C5-ECC9F3942E4B}">
+                <a14:imgProps xmlns:a14="http://schemas.microsoft.com/office/drawing/2010/main">
+                  <a14:imgLayer r:embed="rId4">
+                    <a14:imgEffect>
+                      <a14:brightnessContrast bright="-43000" contrast="15000"/>
+                    </a14:imgEffect>
+                  </a14:imgLayer>
+                </a14:imgProps>
+              </a:ext>
+            </a:extLst>
+          </a:blip>
+          <a:srcRect/>
+          <a:stretch>
+            <a:fillRect t="-25000" r="-19000"/>
+          </a:stretch>
+        </a:blipFill>
+        <a:effectLst/>
+      </p:bgPr>
+    </p:bg>
     <p:spTree>
       <p:nvGrpSpPr>
         <p:cNvPr id="1" name=""/>
@@ -3700,7 +3725,7 @@
             <a:r>
               <a:rPr lang="en-US" sz="1500">
                 <a:latin typeface="Verdana" pitchFamily="34" charset="0"/>
-                <a:hlinkClick r:id="rId3"/>
+                <a:hlinkClick r:id="rId5"/>
               </a:rPr>
               <a:t>www.west-wind.com</a:t>
             </a:r>
@@ -3720,7 +3745,7 @@
             <a:r>
               <a:rPr lang="en-US" sz="1500">
                 <a:latin typeface="Verdana" pitchFamily="34" charset="0"/>
-                <a:hlinkClick r:id="rId4"/>
+                <a:hlinkClick r:id="rId6"/>
               </a:rPr>
               <a:t>www.west-wind.com/weblog</a:t>
             </a:r>
@@ -3775,7 +3800,7 @@
             <a:r>
               <a:rPr lang="en-US" sz="1200">
                 <a:latin typeface="Verdana" pitchFamily="34" charset="0"/>
-                <a:hlinkClick r:id="rId5"/>
+                <a:hlinkClick r:id="rId7"/>
               </a:rPr>
               <a:t>https://github.com/RickStrahl/swfox18_WebConnectionSecurity</a:t>
             </a:r>
@@ -3946,7 +3971,7 @@
             <a:pPr lvl="1"/>
             <a:r>
               <a:rPr lang="en-US"/>
-              <a:t>Exception: Data Folder</a:t>
+              <a:t>Exception: Data Folder – Data needs to read/write</a:t>
             </a:r>
           </a:p>
         </p:txBody>
@@ -4084,6 +4109,13 @@
             <a:r>
               <a:rPr lang="en-US"/>
               <a:t>If you really feel you must, use very strong uid/password combos</a:t>
+            </a:r>
+            <a:br>
+              <a:rPr lang="en-US"/>
+            </a:br>
+            <a:r>
+              <a:rPr lang="en-US"/>
+              <a:t>and change them frequently</a:t>
             </a:r>
           </a:p>
           <a:p>
@@ -4462,7 +4494,12 @@
             <p:ph idx="1"/>
           </p:nvPr>
         </p:nvSpPr>
-        <p:spPr/>
+        <p:spPr>
+          <a:xfrm>
+            <a:off x="762000" y="876300"/>
+            <a:ext cx="8839200" cy="5105400"/>
+          </a:xfrm>
+        </p:spPr>
         <p:txBody>
           <a:bodyPr/>
           <a:lstStyle/>
@@ -4985,7 +5022,7 @@
             <a:pPr lvl="1"/>
             <a:r>
               <a:rPr lang="en-US"/>
-              <a:t>Remove IUSR_ for Admin/locked out directories</a:t>
+              <a:t>Remove/Deny IUSR_ for Admin/locked out directories</a:t>
             </a:r>
           </a:p>
         </p:txBody>
@@ -5430,14 +5467,7 @@
             <a:pPr lvl="1"/>
             <a:r>
               <a:rPr lang="en-US"/>
-              <a:t>Basic Authentication is not secure </a:t>
-            </a:r>
-          </a:p>
-          <a:p>
-            <a:pPr lvl="1"/>
-            <a:r>
-              <a:rPr lang="en-US"/>
-              <a:t>Not secure: Password travels as plain text</a:t>
+              <a:t>Basic Authentication is not secure: Password travels as plain text</a:t>
             </a:r>
           </a:p>
         </p:txBody>
@@ -5644,7 +5674,13 @@
       </p:grpSpPr>
       <p:sp>
         <p:nvSpPr>
-          <p:cNvPr id="2" name="Title 1"/>
+          <p:cNvPr id="2" name="Title 1">
+            <a:extLst>
+              <a:ext uri="{FF2B5EF4-FFF2-40B4-BE49-F238E27FC236}">
+                <a16:creationId xmlns:a16="http://schemas.microsoft.com/office/drawing/2014/main" id="{51FEABD3-67DE-4BE5-9381-D309ECFC3592}"/>
+              </a:ext>
+            </a:extLst>
+          </p:cNvPr>
           <p:cNvSpPr>
             <a:spLocks noGrp="1"/>
           </p:cNvSpPr>
@@ -5659,14 +5695,20 @@
           <a:p>
             <a:r>
               <a:rPr lang="en-US"/>
-              <a:t>Application Security</a:t>
+              <a:t>Basic/Windows vs UserSecurity</a:t>
             </a:r>
           </a:p>
         </p:txBody>
       </p:sp>
       <p:sp>
         <p:nvSpPr>
-          <p:cNvPr id="3" name="Content Placeholder 2"/>
+          <p:cNvPr id="3" name="Content Placeholder 2">
+            <a:extLst>
+              <a:ext uri="{FF2B5EF4-FFF2-40B4-BE49-F238E27FC236}">
+                <a16:creationId xmlns:a16="http://schemas.microsoft.com/office/drawing/2014/main" id="{882A2155-A1F7-48C4-ACC1-919168A109C7}"/>
+              </a:ext>
+            </a:extLst>
+          </p:cNvPr>
           <p:cNvSpPr>
             <a:spLocks noGrp="1"/>
           </p:cNvSpPr>
@@ -5676,7 +5718,7 @@
         </p:nvSpPr>
         <p:spPr>
           <a:xfrm>
-            <a:off x="304800" y="876300"/>
+            <a:off x="533400" y="876300"/>
             <a:ext cx="8839200" cy="5105400"/>
           </a:xfrm>
         </p:spPr>
@@ -5685,92 +5727,109 @@
           <a:lstStyle/>
           <a:p>
             <a:r>
-              <a:rPr lang="en-US" sz="2000"/>
-              <a:t>Server based Web Applications</a:t>
-            </a:r>
-          </a:p>
-          <a:p>
-            <a:pPr lvl="1"/>
-            <a:r>
-              <a:rPr lang="en-US" sz="1800"/>
-              <a:t>Custom Authentication is the way to go</a:t>
-            </a:r>
-          </a:p>
-          <a:p>
-            <a:pPr lvl="1"/>
-            <a:r>
-              <a:rPr lang="en-US" sz="1800"/>
-              <a:t>wwUserSecurity: You implement logic</a:t>
-            </a:r>
-          </a:p>
-          <a:p>
-            <a:pPr lvl="1"/>
-            <a:r>
-              <a:rPr lang="en-US" sz="1800"/>
-              <a:t>Full control</a:t>
-            </a:r>
-          </a:p>
-          <a:p>
-            <a:pPr lvl="1"/>
-            <a:r>
-              <a:rPr lang="en-US" sz="1800"/>
-              <a:t>Windows Authentication – good for admin interfaces</a:t>
-            </a:r>
-          </a:p>
-          <a:p>
-            <a:pPr lvl="1"/>
-            <a:r>
-              <a:rPr lang="en-US" sz="1800"/>
-              <a:t>Basic Authentication – uses Windows accounts too</a:t>
-            </a:r>
-          </a:p>
-          <a:p>
-            <a:r>
-              <a:rPr lang="en-US" sz="2000"/>
-              <a:t>Token based Security for APIs</a:t>
-            </a:r>
-          </a:p>
-          <a:p>
-            <a:pPr lvl="1"/>
-            <a:r>
-              <a:rPr lang="en-US" sz="1800"/>
-              <a:t>Login to retrieve a token</a:t>
-            </a:r>
-          </a:p>
-          <a:p>
-            <a:pPr lvl="1"/>
-            <a:r>
-              <a:rPr lang="en-US" sz="1800"/>
-              <a:t>Use the token for subsequent access</a:t>
-            </a:r>
-          </a:p>
-          <a:p>
-            <a:pPr lvl="1"/>
-            <a:r>
-              <a:rPr lang="en-US" sz="1800"/>
-              <a:t>More secure than passing uid/pwd each time</a:t>
-            </a:r>
-          </a:p>
-          <a:p>
-            <a:pPr lvl="1"/>
-            <a:r>
-              <a:rPr lang="en-US" sz="1800"/>
-              <a:t>Tokens expire</a:t>
-            </a:r>
-          </a:p>
-          <a:p>
-            <a:pPr lvl="1"/>
-            <a:r>
-              <a:rPr lang="en-US" sz="1800"/>
-              <a:t>Requires: Login/Logout endpoint and token mapping</a:t>
-            </a:r>
+              <a:rPr lang="en-US"/>
+              <a:t>Web Connection supports two Auth Mechanisms</a:t>
+            </a:r>
+          </a:p>
+          <a:p>
+            <a:r>
+              <a:rPr lang="en-US"/>
+              <a:t>Basic/Windows Authentication</a:t>
+            </a:r>
+          </a:p>
+          <a:p>
+            <a:pPr lvl="1"/>
+            <a:r>
+              <a:rPr lang="en-US"/>
+              <a:t>Based on Windows User Account</a:t>
+            </a:r>
+          </a:p>
+          <a:p>
+            <a:pPr lvl="1"/>
+            <a:r>
+              <a:rPr lang="en-US"/>
+              <a:t>Easy – nothing to set, just works</a:t>
+            </a:r>
+          </a:p>
+          <a:p>
+            <a:pPr lvl="1"/>
+            <a:r>
+              <a:rPr lang="en-US"/>
+              <a:t>Doesn’t scale – Windows user management not appropriate for Web apps</a:t>
+            </a:r>
+          </a:p>
+          <a:p>
+            <a:r>
+              <a:rPr lang="en-US"/>
+              <a:t>User Security</a:t>
+            </a:r>
+          </a:p>
+          <a:p>
+            <a:pPr lvl="1"/>
+            <a:r>
+              <a:rPr lang="en-US"/>
+              <a:t>Uses a Cookie and Session to map User</a:t>
+            </a:r>
+          </a:p>
+          <a:p>
+            <a:pPr lvl="1"/>
+            <a:r>
+              <a:rPr lang="en-US"/>
+              <a:t>Uses FoxPro class for logic</a:t>
+            </a:r>
+          </a:p>
+          <a:p>
+            <a:pPr lvl="1"/>
+            <a:r>
+              <a:rPr lang="en-US"/>
+              <a:t>Uses FoxPro table by default</a:t>
+            </a:r>
+          </a:p>
+          <a:p>
+            <a:pPr lvl="1"/>
+            <a:r>
+              <a:rPr lang="en-US"/>
+              <a:t>Meant to be subclassed for application specific customization</a:t>
+            </a:r>
+          </a:p>
+          <a:p>
+            <a:r>
+              <a:rPr lang="en-US"/>
+              <a:t>Don’t use Basic/Window Auth for Public Sites</a:t>
+            </a:r>
+          </a:p>
+          <a:p>
+            <a:pPr lvl="1"/>
+            <a:r>
+              <a:rPr lang="en-US"/>
+              <a:t>UserSecurity is the way for public facing User management</a:t>
+            </a:r>
+          </a:p>
+          <a:p>
+            <a:pPr lvl="1"/>
+            <a:r>
+              <a:rPr lang="en-US"/>
+              <a:t>Only use Basic/Windows auth for internal use or Admin blocking</a:t>
+            </a:r>
+          </a:p>
+          <a:p>
+            <a:pPr marL="342900" lvl="1" indent="0">
+              <a:buNone/>
+            </a:pPr>
+            <a:r>
+              <a:rPr lang="en-US"/>
+              <a:t>	</a:t>
+            </a:r>
+          </a:p>
+          <a:p>
+            <a:endParaRPr lang="en-US"/>
           </a:p>
         </p:txBody>
       </p:sp>
     </p:spTree>
     <p:extLst>
       <p:ext uri="{BB962C8B-B14F-4D97-AF65-F5344CB8AC3E}">
-        <p14:creationId xmlns:p14="http://schemas.microsoft.com/office/powerpoint/2010/main" val="627562228"/>
+        <p14:creationId xmlns:p14="http://schemas.microsoft.com/office/powerpoint/2010/main" val="1012143982"/>
       </p:ext>
     </p:extLst>
   </p:cSld>
@@ -5802,13 +5861,7 @@
       </p:grpSpPr>
       <p:sp>
         <p:nvSpPr>
-          <p:cNvPr id="2" name="Title 1">
-            <a:extLst>
-              <a:ext uri="{FF2B5EF4-FFF2-40B4-BE49-F238E27FC236}">
-                <a16:creationId xmlns:a16="http://schemas.microsoft.com/office/drawing/2014/main" id="{51FEABD3-67DE-4BE5-9381-D309ECFC3592}"/>
-              </a:ext>
-            </a:extLst>
-          </p:cNvPr>
+          <p:cNvPr id="2" name="Title 1"/>
           <p:cNvSpPr>
             <a:spLocks noGrp="1"/>
           </p:cNvSpPr>
@@ -5823,20 +5876,14 @@
           <a:p>
             <a:r>
               <a:rPr lang="en-US"/>
-              <a:t>Basic/Windows vs UserSecurity</a:t>
+              <a:t>Application Security</a:t>
             </a:r>
           </a:p>
         </p:txBody>
       </p:sp>
       <p:sp>
         <p:nvSpPr>
-          <p:cNvPr id="3" name="Content Placeholder 2">
-            <a:extLst>
-              <a:ext uri="{FF2B5EF4-FFF2-40B4-BE49-F238E27FC236}">
-                <a16:creationId xmlns:a16="http://schemas.microsoft.com/office/drawing/2014/main" id="{882A2155-A1F7-48C4-ACC1-919168A109C7}"/>
-              </a:ext>
-            </a:extLst>
-          </p:cNvPr>
+          <p:cNvPr id="3" name="Content Placeholder 2"/>
           <p:cNvSpPr>
             <a:spLocks noGrp="1"/>
           </p:cNvSpPr>
@@ -5846,7 +5893,7 @@
         </p:nvSpPr>
         <p:spPr>
           <a:xfrm>
-            <a:off x="533400" y="876300"/>
+            <a:off x="304800" y="876300"/>
             <a:ext cx="8839200" cy="5105400"/>
           </a:xfrm>
         </p:spPr>
@@ -5855,109 +5902,92 @@
           <a:lstStyle/>
           <a:p>
             <a:r>
-              <a:rPr lang="en-US"/>
-              <a:t>Web Connection supports two Auth Mechanisms</a:t>
-            </a:r>
-          </a:p>
-          <a:p>
-            <a:r>
-              <a:rPr lang="en-US"/>
-              <a:t>Basic/Windows Authentication</a:t>
-            </a:r>
-          </a:p>
-          <a:p>
-            <a:pPr lvl="1"/>
-            <a:r>
-              <a:rPr lang="en-US"/>
-              <a:t>Based on Windows User Account</a:t>
-            </a:r>
-          </a:p>
-          <a:p>
-            <a:pPr lvl="1"/>
-            <a:r>
-              <a:rPr lang="en-US"/>
-              <a:t>Easy – nothing to set, just works</a:t>
-            </a:r>
-          </a:p>
-          <a:p>
-            <a:pPr lvl="1"/>
-            <a:r>
-              <a:rPr lang="en-US"/>
-              <a:t>Doesn’t scale – Windows user management not appropriate for Web apps</a:t>
-            </a:r>
-          </a:p>
-          <a:p>
-            <a:r>
-              <a:rPr lang="en-US"/>
-              <a:t>User Security</a:t>
-            </a:r>
-          </a:p>
-          <a:p>
-            <a:pPr lvl="1"/>
-            <a:r>
-              <a:rPr lang="en-US"/>
-              <a:t>Uses a Cookie and Session to map User</a:t>
-            </a:r>
-          </a:p>
-          <a:p>
-            <a:pPr lvl="1"/>
-            <a:r>
-              <a:rPr lang="en-US"/>
-              <a:t>Uses FoxPro class for logic</a:t>
-            </a:r>
-          </a:p>
-          <a:p>
-            <a:pPr lvl="1"/>
-            <a:r>
-              <a:rPr lang="en-US"/>
-              <a:t>Uses FoxPro table by default</a:t>
-            </a:r>
-          </a:p>
-          <a:p>
-            <a:pPr lvl="1"/>
-            <a:r>
-              <a:rPr lang="en-US"/>
-              <a:t>Meant to be subclassed for application specific customization</a:t>
-            </a:r>
-          </a:p>
-          <a:p>
-            <a:r>
-              <a:rPr lang="en-US"/>
-              <a:t>Don’t use Basic/Window Auth for Public Sites</a:t>
-            </a:r>
-          </a:p>
-          <a:p>
-            <a:pPr lvl="1"/>
-            <a:r>
-              <a:rPr lang="en-US"/>
-              <a:t>UserSecurity is the way for public facing User management</a:t>
-            </a:r>
-          </a:p>
-          <a:p>
-            <a:pPr lvl="1"/>
-            <a:r>
-              <a:rPr lang="en-US"/>
-              <a:t>Only use Basic/Windows auth for internal use or Admin blocking</a:t>
-            </a:r>
-          </a:p>
-          <a:p>
-            <a:pPr marL="342900" lvl="1" indent="0">
-              <a:buNone/>
-            </a:pPr>
-            <a:r>
-              <a:rPr lang="en-US"/>
-              <a:t>	</a:t>
-            </a:r>
-          </a:p>
-          <a:p>
-            <a:endParaRPr lang="en-US"/>
+              <a:rPr lang="en-US" sz="2000"/>
+              <a:t>Server based Web Applications</a:t>
+            </a:r>
+          </a:p>
+          <a:p>
+            <a:pPr lvl="1"/>
+            <a:r>
+              <a:rPr lang="en-US" sz="1800"/>
+              <a:t>Custom Authentication is the way to go</a:t>
+            </a:r>
+          </a:p>
+          <a:p>
+            <a:pPr lvl="1"/>
+            <a:r>
+              <a:rPr lang="en-US" sz="1800"/>
+              <a:t>wwUserSecurity: You implement logic</a:t>
+            </a:r>
+          </a:p>
+          <a:p>
+            <a:pPr lvl="1"/>
+            <a:r>
+              <a:rPr lang="en-US" sz="1800"/>
+              <a:t>Full control</a:t>
+            </a:r>
+          </a:p>
+          <a:p>
+            <a:pPr lvl="1"/>
+            <a:r>
+              <a:rPr lang="en-US" sz="1800"/>
+              <a:t>Windows Authentication – good for admin interfaces</a:t>
+            </a:r>
+          </a:p>
+          <a:p>
+            <a:pPr lvl="1"/>
+            <a:r>
+              <a:rPr lang="en-US" sz="1800"/>
+              <a:t>Basic Authentication – uses Windows accounts too</a:t>
+            </a:r>
+          </a:p>
+          <a:p>
+            <a:r>
+              <a:rPr lang="en-US" sz="2000"/>
+              <a:t>Token based Security for APIs</a:t>
+            </a:r>
+          </a:p>
+          <a:p>
+            <a:pPr lvl="1"/>
+            <a:r>
+              <a:rPr lang="en-US" sz="1800"/>
+              <a:t>Login to retrieve a token</a:t>
+            </a:r>
+          </a:p>
+          <a:p>
+            <a:pPr lvl="1"/>
+            <a:r>
+              <a:rPr lang="en-US" sz="1800"/>
+              <a:t>Use the token for subsequent access</a:t>
+            </a:r>
+          </a:p>
+          <a:p>
+            <a:pPr lvl="1"/>
+            <a:r>
+              <a:rPr lang="en-US" sz="1800"/>
+              <a:t>More secure than passing uid/pwd each time</a:t>
+            </a:r>
+          </a:p>
+          <a:p>
+            <a:pPr lvl="1"/>
+            <a:r>
+              <a:rPr lang="en-US" sz="1800"/>
+              <a:t>Tokens expire</a:t>
+            </a:r>
+          </a:p>
+          <a:p>
+            <a:pPr lvl="1"/>
+            <a:r>
+              <a:rPr lang="en-US" sz="1800"/>
+              <a:t>Requires: Login/Logout endpoint and token mapping</a:t>
+            </a:r>
           </a:p>
         </p:txBody>
       </p:sp>
     </p:spTree>
     <p:extLst>
       <p:ext uri="{BB962C8B-B14F-4D97-AF65-F5344CB8AC3E}">
-        <p14:creationId xmlns:p14="http://schemas.microsoft.com/office/powerpoint/2010/main" val="1012143982"/>
+        <p14:creationId xmlns:p14="http://schemas.microsoft.com/office/powerpoint/2010/main" val="627562228"/>
       </p:ext>
     </p:extLst>
   </p:cSld>
@@ -6794,7 +6824,7 @@
             <a:pPr lvl="1"/>
             <a:r>
               <a:rPr lang="en-US" b="1"/>
-              <a:t>.auth</a:t>
+              <a:t>.usm</a:t>
             </a:r>
             <a:r>
               <a:rPr lang="en-US"/>
@@ -6976,107 +7006,112 @@
             <p:ph idx="1"/>
           </p:nvPr>
         </p:nvSpPr>
-        <p:spPr/>
+        <p:spPr>
+          <a:xfrm>
+            <a:off x="457200" y="990600"/>
+            <a:ext cx="8839200" cy="5105400"/>
+          </a:xfrm>
+        </p:spPr>
         <p:txBody>
           <a:bodyPr/>
           <a:lstStyle/>
           <a:p>
             <a:r>
-              <a:rPr lang="en-US"/>
+              <a:rPr lang="en-US" sz="2000"/>
               <a:t>Areas of Concern</a:t>
             </a:r>
           </a:p>
           <a:p>
             <a:pPr lvl="1"/>
             <a:r>
-              <a:rPr lang="en-US"/>
+              <a:rPr lang="en-US" sz="1800"/>
               <a:t>Your Application</a:t>
             </a:r>
           </a:p>
           <a:p>
             <a:pPr lvl="1"/>
             <a:r>
-              <a:rPr lang="en-US"/>
+              <a:rPr lang="en-US" sz="1800"/>
               <a:t>Web Connection Administration Tools</a:t>
             </a:r>
           </a:p>
           <a:p>
             <a:r>
-              <a:rPr lang="en-US"/>
+              <a:rPr lang="en-US" sz="2000"/>
               <a:t>Application</a:t>
             </a:r>
           </a:p>
           <a:p>
             <a:pPr lvl="1"/>
             <a:r>
-              <a:rPr lang="en-US"/>
+              <a:rPr lang="en-US" sz="1800"/>
               <a:t>Applications are responsible for their own security</a:t>
             </a:r>
           </a:p>
           <a:p>
             <a:pPr lvl="1"/>
             <a:r>
-              <a:rPr lang="en-US"/>
+              <a:rPr lang="en-US" sz="1800"/>
               <a:t>Use wwProcess.Authenticate to lock down individual requests</a:t>
             </a:r>
           </a:p>
           <a:p>
             <a:r>
-              <a:rPr lang="en-US"/>
+              <a:rPr lang="en-US" sz="2000"/>
               <a:t>Web Connection Admin Security</a:t>
             </a:r>
           </a:p>
           <a:p>
             <a:pPr lvl="1"/>
             <a:r>
-              <a:rPr lang="en-US"/>
+              <a:rPr lang="en-US" sz="1800"/>
               <a:t>Make sure to limit access to ~/Admin Folder</a:t>
             </a:r>
           </a:p>
           <a:p>
             <a:pPr lvl="2"/>
             <a:r>
-              <a:rPr lang="en-US"/>
+              <a:rPr lang="en-US" sz="1600"/>
               <a:t>Remove IUSR_ Account from Windows Folder Security</a:t>
             </a:r>
           </a:p>
           <a:p>
             <a:pPr lvl="2"/>
             <a:r>
-              <a:rPr lang="en-US"/>
+              <a:rPr lang="en-US" sz="1600"/>
               <a:t>Will force a login to access Admin.aspx page</a:t>
             </a:r>
           </a:p>
           <a:p>
             <a:pPr lvl="1"/>
             <a:r>
-              <a:rPr lang="en-US"/>
+              <a:rPr lang="en-US" sz="1800"/>
               <a:t>Make sure to set AdminAccount in </a:t>
             </a:r>
             <a:r>
-              <a:rPr lang="en-US" b="1"/>
+              <a:rPr lang="en-US" sz="1800" b="1"/>
               <a:t>web.config</a:t>
             </a:r>
             <a:r>
-              <a:rPr lang="en-US"/>
+              <a:rPr lang="en-US" sz="1800"/>
               <a:t> or </a:t>
             </a:r>
             <a:r>
-              <a:rPr lang="en-US" b="1"/>
+              <a:rPr lang="en-US" sz="1800" b="1"/>
               <a:t>wc.ini</a:t>
             </a:r>
           </a:p>
           <a:p>
             <a:pPr lvl="2"/>
             <a:r>
-              <a:rPr lang="en-US"/>
+              <a:rPr lang="en-US" sz="1600"/>
               <a:t>Default is ANY – change to specific account(s)</a:t>
             </a:r>
           </a:p>
           <a:p>
             <a:pPr lvl="2"/>
             <a:r>
-              <a:rPr lang="en-US"/>
+              <a:rPr lang="en-US" sz="1600"/>
               <a:t>Will force login to access .NET or ISAPI Handler Admin Page</a:t>
             </a:r>
           </a:p>
